--- a/docs/diagrams/LogicComponentSequenceDiagram.pptx
+++ b/docs/diagrams/LogicComponentSequenceDiagram.pptx
@@ -109,7 +109,7 @@
   </p:defaultTextStyle>
   <p:extLst>
     <p:ext uri="{EFAFB233-063F-42B5-8137-9DF3F51BA10A}">
-      <p15:sldGuideLst xmlns:p15="http://schemas.microsoft.com/office/powerpoint/2012/main">
+      <p15:sldGuideLst xmlns:p15="http://schemas.microsoft.com/office/powerpoint/2012/main" xmlns="">
         <p15:guide id="1" orient="horz" pos="1488">
           <p15:clr>
             <a:srgbClr val="A4A3A4"/>
@@ -208,7 +208,7 @@
           <a:p>
             <a:fld id="{F5CC4B3F-88C1-4FFA-B1B6-F41C21DC6924}" type="datetimeFigureOut">
               <a:rPr lang="en-US" smtClean="0"/>
-              <a:t>2/6/2017</a:t>
+              <a:t>17-03-29</a:t>
             </a:fld>
             <a:endParaRPr lang="en-US"/>
           </a:p>
@@ -505,7 +505,7 @@
         </p:nvSpPr>
         <p:spPr>
           <a:xfrm>
-            <a:off x="685800" y="2130425"/>
+            <a:off x="685800" y="2130428"/>
             <a:ext cx="7772400" cy="1470025"/>
           </a:xfrm>
         </p:spPr>
@@ -657,7 +657,7 @@
           <a:p>
             <a:fld id="{78C97017-6FC3-485B-9764-EAC9E56C1D49}" type="datetimeFigureOut">
               <a:rPr lang="en-US" smtClean="0"/>
-              <a:t>2/6/2017</a:t>
+              <a:t>17-03-29</a:t>
             </a:fld>
             <a:endParaRPr lang="en-US"/>
           </a:p>
@@ -827,7 +827,7 @@
           <a:p>
             <a:fld id="{78C97017-6FC3-485B-9764-EAC9E56C1D49}" type="datetimeFigureOut">
               <a:rPr lang="en-US" smtClean="0"/>
-              <a:t>2/6/2017</a:t>
+              <a:t>17-03-29</a:t>
             </a:fld>
             <a:endParaRPr lang="en-US"/>
           </a:p>
@@ -917,7 +917,7 @@
         </p:nvSpPr>
         <p:spPr>
           <a:xfrm>
-            <a:off x="6629400" y="274638"/>
+            <a:off x="6629400" y="274641"/>
             <a:ext cx="2057400" cy="5851525"/>
           </a:xfrm>
         </p:spPr>
@@ -945,7 +945,7 @@
         </p:nvSpPr>
         <p:spPr>
           <a:xfrm>
-            <a:off x="457200" y="274638"/>
+            <a:off x="457200" y="274641"/>
             <a:ext cx="6019800" cy="5851525"/>
           </a:xfrm>
         </p:spPr>
@@ -1007,7 +1007,7 @@
           <a:p>
             <a:fld id="{78C97017-6FC3-485B-9764-EAC9E56C1D49}" type="datetimeFigureOut">
               <a:rPr lang="en-US" smtClean="0"/>
-              <a:t>2/6/2017</a:t>
+              <a:t>17-03-29</a:t>
             </a:fld>
             <a:endParaRPr lang="en-US"/>
           </a:p>
@@ -1177,7 +1177,7 @@
           <a:p>
             <a:fld id="{78C97017-6FC3-485B-9764-EAC9E56C1D49}" type="datetimeFigureOut">
               <a:rPr lang="en-US" smtClean="0"/>
-              <a:t>2/6/2017</a:t>
+              <a:t>17-03-29</a:t>
             </a:fld>
             <a:endParaRPr lang="en-US"/>
           </a:p>
@@ -1267,7 +1267,7 @@
         </p:nvSpPr>
         <p:spPr>
           <a:xfrm>
-            <a:off x="722313" y="4406900"/>
+            <a:off x="722313" y="4406903"/>
             <a:ext cx="7772400" cy="1362075"/>
           </a:xfrm>
         </p:spPr>
@@ -1423,7 +1423,7 @@
           <a:p>
             <a:fld id="{78C97017-6FC3-485B-9764-EAC9E56C1D49}" type="datetimeFigureOut">
               <a:rPr lang="en-US" smtClean="0"/>
-              <a:t>2/6/2017</a:t>
+              <a:t>17-03-29</a:t>
             </a:fld>
             <a:endParaRPr lang="en-US"/>
           </a:p>
@@ -1536,7 +1536,7 @@
         </p:nvSpPr>
         <p:spPr>
           <a:xfrm>
-            <a:off x="457200" y="1600200"/>
+            <a:off x="457200" y="1600203"/>
             <a:ext cx="4038600" cy="4525963"/>
           </a:xfrm>
         </p:spPr>
@@ -1621,7 +1621,7 @@
         </p:nvSpPr>
         <p:spPr>
           <a:xfrm>
-            <a:off x="4648200" y="1600200"/>
+            <a:off x="4648200" y="1600203"/>
             <a:ext cx="4038600" cy="4525963"/>
           </a:xfrm>
         </p:spPr>
@@ -1711,7 +1711,7 @@
           <a:p>
             <a:fld id="{78C97017-6FC3-485B-9764-EAC9E56C1D49}" type="datetimeFigureOut">
               <a:rPr lang="en-US" smtClean="0"/>
-              <a:t>2/6/2017</a:t>
+              <a:t>17-03-29</a:t>
             </a:fld>
             <a:endParaRPr lang="en-US"/>
           </a:p>
@@ -1828,8 +1828,8 @@
         </p:nvSpPr>
         <p:spPr>
           <a:xfrm>
-            <a:off x="457200" y="1535113"/>
-            <a:ext cx="4040188" cy="639762"/>
+            <a:off x="457200" y="1535115"/>
+            <a:ext cx="4040188" cy="639763"/>
           </a:xfrm>
         </p:spPr>
         <p:txBody>
@@ -1978,8 +1978,8 @@
         </p:nvSpPr>
         <p:spPr>
           <a:xfrm>
-            <a:off x="4645025" y="1535113"/>
-            <a:ext cx="4041775" cy="639762"/>
+            <a:off x="4645027" y="1535115"/>
+            <a:ext cx="4041775" cy="639763"/>
           </a:xfrm>
         </p:spPr>
         <p:txBody>
@@ -2043,7 +2043,7 @@
         </p:nvSpPr>
         <p:spPr>
           <a:xfrm>
-            <a:off x="4645025" y="2174875"/>
+            <a:off x="4645027" y="2174875"/>
             <a:ext cx="4041775" cy="3951288"/>
           </a:xfrm>
         </p:spPr>
@@ -2133,7 +2133,7 @@
           <a:p>
             <a:fld id="{78C97017-6FC3-485B-9764-EAC9E56C1D49}" type="datetimeFigureOut">
               <a:rPr lang="en-US" smtClean="0"/>
-              <a:t>2/6/2017</a:t>
+              <a:t>17-03-29</a:t>
             </a:fld>
             <a:endParaRPr lang="en-US"/>
           </a:p>
@@ -2251,7 +2251,7 @@
           <a:p>
             <a:fld id="{78C97017-6FC3-485B-9764-EAC9E56C1D49}" type="datetimeFigureOut">
               <a:rPr lang="en-US" smtClean="0"/>
-              <a:t>2/6/2017</a:t>
+              <a:t>17-03-29</a:t>
             </a:fld>
             <a:endParaRPr lang="en-US"/>
           </a:p>
@@ -2346,7 +2346,7 @@
           <a:p>
             <a:fld id="{78C97017-6FC3-485B-9764-EAC9E56C1D49}" type="datetimeFigureOut">
               <a:rPr lang="en-US" smtClean="0"/>
-              <a:t>2/6/2017</a:t>
+              <a:t>17-03-29</a:t>
             </a:fld>
             <a:endParaRPr lang="en-US"/>
           </a:p>
@@ -2436,8 +2436,8 @@
         </p:nvSpPr>
         <p:spPr>
           <a:xfrm>
-            <a:off x="457200" y="273050"/>
-            <a:ext cx="3008313" cy="1162050"/>
+            <a:off x="457203" y="273051"/>
+            <a:ext cx="3008313" cy="1162051"/>
           </a:xfrm>
         </p:spPr>
         <p:txBody>
@@ -2468,7 +2468,7 @@
         </p:nvSpPr>
         <p:spPr>
           <a:xfrm>
-            <a:off x="3575050" y="273050"/>
+            <a:off x="3575050" y="273054"/>
             <a:ext cx="5111750" cy="5853113"/>
           </a:xfrm>
         </p:spPr>
@@ -2553,7 +2553,7 @@
         </p:nvSpPr>
         <p:spPr>
           <a:xfrm>
-            <a:off x="457200" y="1435100"/>
+            <a:off x="457203" y="1435103"/>
             <a:ext cx="3008313" cy="4691063"/>
           </a:xfrm>
         </p:spPr>
@@ -2623,7 +2623,7 @@
           <a:p>
             <a:fld id="{78C97017-6FC3-485B-9764-EAC9E56C1D49}" type="datetimeFigureOut">
               <a:rPr lang="en-US" smtClean="0"/>
-              <a:t>2/6/2017</a:t>
+              <a:t>17-03-29</a:t>
             </a:fld>
             <a:endParaRPr lang="en-US"/>
           </a:p>
@@ -2713,8 +2713,8 @@
         </p:nvSpPr>
         <p:spPr>
           <a:xfrm>
-            <a:off x="1792288" y="4800600"/>
-            <a:ext cx="5486400" cy="566738"/>
+            <a:off x="1792288" y="4800602"/>
+            <a:ext cx="5486400" cy="566739"/>
           </a:xfrm>
         </p:spPr>
         <p:txBody>
@@ -2806,8 +2806,8 @@
         </p:nvSpPr>
         <p:spPr>
           <a:xfrm>
-            <a:off x="1792288" y="5367338"/>
-            <a:ext cx="5486400" cy="804862"/>
+            <a:off x="1792288" y="5367340"/>
+            <a:ext cx="5486400" cy="804863"/>
           </a:xfrm>
         </p:spPr>
         <p:txBody>
@@ -2876,7 +2876,7 @@
           <a:p>
             <a:fld id="{78C97017-6FC3-485B-9764-EAC9E56C1D49}" type="datetimeFigureOut">
               <a:rPr lang="en-US" smtClean="0"/>
-              <a:t>2/6/2017</a:t>
+              <a:t>17-03-29</a:t>
             </a:fld>
             <a:endParaRPr lang="en-US"/>
           </a:p>
@@ -2971,7 +2971,7 @@
         </p:nvSpPr>
         <p:spPr>
           <a:xfrm>
-            <a:off x="457200" y="274638"/>
+            <a:off x="457200" y="274639"/>
             <a:ext cx="8229600" cy="1143000"/>
           </a:xfrm>
           <a:prstGeom prst="rect">
@@ -3004,7 +3004,7 @@
         </p:nvSpPr>
         <p:spPr>
           <a:xfrm>
-            <a:off x="457200" y="1600200"/>
+            <a:off x="457200" y="1600203"/>
             <a:ext cx="8229600" cy="4525963"/>
           </a:xfrm>
           <a:prstGeom prst="rect">
@@ -3066,7 +3066,7 @@
         </p:nvSpPr>
         <p:spPr>
           <a:xfrm>
-            <a:off x="457200" y="6356350"/>
+            <a:off x="457200" y="6356353"/>
             <a:ext cx="2133600" cy="365125"/>
           </a:xfrm>
           <a:prstGeom prst="rect">
@@ -3089,7 +3089,7 @@
           <a:p>
             <a:fld id="{78C97017-6FC3-485B-9764-EAC9E56C1D49}" type="datetimeFigureOut">
               <a:rPr lang="en-US" smtClean="0"/>
-              <a:t>2/6/2017</a:t>
+              <a:t>17-03-29</a:t>
             </a:fld>
             <a:endParaRPr lang="en-US"/>
           </a:p>
@@ -3107,7 +3107,7 @@
         </p:nvSpPr>
         <p:spPr>
           <a:xfrm>
-            <a:off x="3124200" y="6356350"/>
+            <a:off x="3124200" y="6356353"/>
             <a:ext cx="2895600" cy="365125"/>
           </a:xfrm>
           <a:prstGeom prst="rect">
@@ -3144,7 +3144,7 @@
         </p:nvSpPr>
         <p:spPr>
           <a:xfrm>
-            <a:off x="6553200" y="6356350"/>
+            <a:off x="6553200" y="6356353"/>
             <a:ext cx="2133600" cy="365125"/>
           </a:xfrm>
           <a:prstGeom prst="rect">
@@ -3472,8 +3472,8 @@
         </p:nvSpPr>
         <p:spPr>
           <a:xfrm>
-            <a:off x="685800" y="1981200"/>
-            <a:ext cx="7252956" cy="4000286"/>
+            <a:off x="685800" y="685800"/>
+            <a:ext cx="7543800" cy="5867400"/>
           </a:xfrm>
           <a:prstGeom prst="roundRect">
             <a:avLst>
@@ -3533,7 +3533,7 @@
         </p:nvSpPr>
         <p:spPr>
           <a:xfrm>
-            <a:off x="845045" y="2296546"/>
+            <a:off x="845048" y="1001144"/>
             <a:ext cx="1455629" cy="346760"/>
           </a:xfrm>
           <a:prstGeom prst="rect">
@@ -3600,7 +3600,7 @@
         </p:nvCxnSpPr>
         <p:spPr>
           <a:xfrm>
-            <a:off x="1572859" y="2660217"/>
+            <a:off x="1572859" y="1364817"/>
             <a:ext cx="0" cy="2597583"/>
           </a:xfrm>
           <a:prstGeom prst="line">
@@ -3637,8 +3637,8 @@
         </p:nvSpPr>
         <p:spPr>
           <a:xfrm>
-            <a:off x="1500851" y="3010911"/>
-            <a:ext cx="152400" cy="2780287"/>
+            <a:off x="1500850" y="1715512"/>
+            <a:ext cx="175550" cy="4456688"/>
           </a:xfrm>
           <a:prstGeom prst="rect">
             <a:avLst/>
@@ -3684,7 +3684,7 @@
         </p:nvSpPr>
         <p:spPr>
           <a:xfrm>
-            <a:off x="2809782" y="2300233"/>
+            <a:off x="2809785" y="1004830"/>
             <a:ext cx="1093635" cy="346760"/>
           </a:xfrm>
           <a:prstGeom prst="rect">
@@ -3743,8 +3743,8 @@
         </p:nvCxnSpPr>
         <p:spPr>
           <a:xfrm>
-            <a:off x="3356599" y="2663904"/>
-            <a:ext cx="0" cy="1695374"/>
+            <a:off x="3356599" y="1368504"/>
+            <a:ext cx="0" cy="1695375"/>
           </a:xfrm>
           <a:prstGeom prst="line">
             <a:avLst/>
@@ -3780,7 +3780,7 @@
         </p:nvSpPr>
         <p:spPr>
           <a:xfrm>
-            <a:off x="3284590" y="3122096"/>
+            <a:off x="3284593" y="1826694"/>
             <a:ext cx="174929" cy="1129459"/>
           </a:xfrm>
           <a:prstGeom prst="rect">
@@ -3823,88 +3823,6 @@
           </a:p>
         </p:txBody>
       </p:sp>
-      <p:sp>
-        <p:nvSpPr>
-          <p:cNvPr id="19" name="Rectangle 62"/>
-          <p:cNvSpPr/>
-          <p:nvPr/>
-        </p:nvSpPr>
-        <p:spPr>
-          <a:xfrm>
-            <a:off x="6221565" y="3312740"/>
-            <a:ext cx="1093635" cy="461538"/>
-          </a:xfrm>
-          <a:prstGeom prst="rect">
-            <a:avLst/>
-          </a:prstGeom>
-          <a:solidFill>
-            <a:srgbClr val="0070C0"/>
-          </a:solidFill>
-          <a:ln w="19050">
-            <a:solidFill>
-              <a:srgbClr val="0070C0"/>
-            </a:solidFill>
-          </a:ln>
-          <a:effectLst/>
-        </p:spPr>
-        <p:style>
-          <a:lnRef idx="1">
-            <a:schemeClr val="accent2"/>
-          </a:lnRef>
-          <a:fillRef idx="2">
-            <a:schemeClr val="accent2"/>
-          </a:fillRef>
-          <a:effectRef idx="1">
-            <a:schemeClr val="accent2"/>
-          </a:effectRef>
-          <a:fontRef idx="minor">
-            <a:schemeClr val="dk1"/>
-          </a:fontRef>
-        </p:style>
-        <p:txBody>
-          <a:bodyPr rtlCol="0" anchor="ctr"/>
-          <a:lstStyle/>
-          <a:p>
-            <a:pPr algn="ctr"/>
-            <a:r>
-              <a:rPr lang="en-US" sz="1600" dirty="0" smtClean="0">
-                <a:solidFill>
-                  <a:schemeClr val="bg1"/>
-                </a:solidFill>
-              </a:rPr>
-              <a:t>d:Delete</a:t>
-            </a:r>
-            <a:r>
-              <a:rPr lang="en-US" sz="1600" dirty="0">
-                <a:solidFill>
-                  <a:schemeClr val="bg1"/>
-                </a:solidFill>
-              </a:rPr>
-              <a:t/>
-            </a:r>
-            <a:br>
-              <a:rPr lang="en-US" sz="1600" dirty="0">
-                <a:solidFill>
-                  <a:schemeClr val="bg1"/>
-                </a:solidFill>
-              </a:rPr>
-            </a:br>
-            <a:r>
-              <a:rPr lang="en-US" sz="1600" dirty="0">
-                <a:solidFill>
-                  <a:schemeClr val="bg1"/>
-                </a:solidFill>
-              </a:rPr>
-              <a:t>Command</a:t>
-            </a:r>
-            <a:endParaRPr lang="en-SG" sz="1600" dirty="0">
-              <a:solidFill>
-                <a:schemeClr val="bg1"/>
-              </a:solidFill>
-            </a:endParaRPr>
-          </a:p>
-        </p:txBody>
-      </p:sp>
       <p:cxnSp>
         <p:nvCxnSpPr>
           <p:cNvPr id="20" name="Straight Connector 19"/>
@@ -3915,8 +3833,8 @@
         </p:nvCxnSpPr>
         <p:spPr>
           <a:xfrm>
-            <a:off x="6772574" y="3774278"/>
-            <a:ext cx="0" cy="1940722"/>
+            <a:off x="6772574" y="2478878"/>
+            <a:ext cx="9226" cy="3617122"/>
           </a:xfrm>
           <a:prstGeom prst="line">
             <a:avLst/>
@@ -3952,7 +3870,7 @@
         </p:nvSpPr>
         <p:spPr>
           <a:xfrm>
-            <a:off x="6696374" y="3774278"/>
+            <a:off x="6696374" y="2478878"/>
             <a:ext cx="152400" cy="276003"/>
           </a:xfrm>
           <a:prstGeom prst="rect">
@@ -3999,7 +3917,7 @@
         </p:nvCxnSpPr>
         <p:spPr>
           <a:xfrm>
-            <a:off x="381000" y="3014599"/>
+            <a:off x="381003" y="1719196"/>
             <a:ext cx="1119851" cy="0"/>
           </a:xfrm>
           <a:prstGeom prst="straightConnector1">
@@ -4035,7 +3953,7 @@
         </p:nvCxnSpPr>
         <p:spPr>
           <a:xfrm flipV="1">
-            <a:off x="1653251" y="3122097"/>
+            <a:off x="1653251" y="1826697"/>
             <a:ext cx="1596514" cy="1"/>
           </a:xfrm>
           <a:prstGeom prst="straightConnector1">
@@ -4071,8 +3989,8 @@
         </p:nvSpPr>
         <p:spPr>
           <a:xfrm>
-            <a:off x="0" y="2743200"/>
-            <a:ext cx="1424846" cy="215444"/>
+            <a:off x="-228600" y="1447796"/>
+            <a:ext cx="1600200" cy="215444"/>
           </a:xfrm>
           <a:prstGeom prst="rect">
             <a:avLst/>
@@ -4085,7 +4003,6 @@
           </a:bodyPr>
           <a:lstStyle/>
           <a:p>
-            <a:pPr algn="r"/>
             <a:r>
               <a:rPr lang="en-US" sz="1400" dirty="0" smtClean="0">
                 <a:solidFill>
@@ -4110,7 +4027,7 @@
         </p:nvCxnSpPr>
         <p:spPr>
           <a:xfrm flipV="1">
-            <a:off x="5257218" y="3703214"/>
+            <a:off x="5257219" y="2407814"/>
             <a:ext cx="922392" cy="1"/>
           </a:xfrm>
           <a:prstGeom prst="straightConnector1">
@@ -4146,7 +4063,7 @@
         </p:nvSpPr>
         <p:spPr>
           <a:xfrm>
-            <a:off x="4257582" y="4251556"/>
+            <a:off x="3962400" y="2971800"/>
             <a:ext cx="855809" cy="215444"/>
           </a:xfrm>
           <a:prstGeom prst="rect">
@@ -4186,7 +4103,7 @@
         </p:nvCxnSpPr>
         <p:spPr>
           <a:xfrm>
-            <a:off x="5257800" y="4050281"/>
+            <a:off x="5257800" y="2754878"/>
             <a:ext cx="1492974" cy="0"/>
           </a:xfrm>
           <a:prstGeom prst="straightConnector1">
@@ -4224,8 +4141,8 @@
         </p:nvCxnSpPr>
         <p:spPr>
           <a:xfrm flipV="1">
-            <a:off x="1670186" y="4243231"/>
-            <a:ext cx="1596514" cy="5378"/>
+            <a:off x="1670186" y="2947830"/>
+            <a:ext cx="1596514" cy="5379"/>
           </a:xfrm>
           <a:prstGeom prst="straightConnector1">
             <a:avLst/>
@@ -4262,7 +4179,7 @@
         </p:nvCxnSpPr>
         <p:spPr>
           <a:xfrm>
-            <a:off x="304800" y="5791200"/>
+            <a:off x="304802" y="6019800"/>
             <a:ext cx="1196051" cy="0"/>
           </a:xfrm>
           <a:prstGeom prst="straightConnector1">
@@ -4300,7 +4217,7 @@
         </p:nvSpPr>
         <p:spPr>
           <a:xfrm>
-            <a:off x="8265896" y="2362200"/>
+            <a:off x="9906000" y="1066797"/>
             <a:ext cx="1030504" cy="346760"/>
           </a:xfrm>
           <a:prstGeom prst="rect">
@@ -4365,7 +4282,7 @@
         </p:nvCxnSpPr>
         <p:spPr>
           <a:xfrm>
-            <a:off x="1653251" y="4495317"/>
+            <a:off x="1676400" y="3276600"/>
             <a:ext cx="5043123" cy="0"/>
           </a:xfrm>
           <a:prstGeom prst="straightConnector1">
@@ -4401,8 +4318,8 @@
         </p:nvSpPr>
         <p:spPr>
           <a:xfrm>
-            <a:off x="6687452" y="4467000"/>
-            <a:ext cx="161322" cy="1019400"/>
+            <a:off x="6687452" y="3276600"/>
+            <a:ext cx="170548" cy="2438400"/>
           </a:xfrm>
           <a:prstGeom prst="rect">
             <a:avLst/>
@@ -4447,9 +4364,9 @@
           <p:nvPr/>
         </p:nvCxnSpPr>
         <p:spPr>
-          <a:xfrm>
-            <a:off x="8781148" y="2700858"/>
-            <a:ext cx="0" cy="2830598"/>
+          <a:xfrm flipH="1">
+            <a:off x="10421252" y="1405456"/>
+            <a:ext cx="18148" cy="3623744"/>
           </a:xfrm>
           <a:prstGeom prst="line">
             <a:avLst/>
@@ -4488,7 +4405,7 @@
         </p:nvSpPr>
         <p:spPr>
           <a:xfrm>
-            <a:off x="8686800" y="4524597"/>
+            <a:off x="10363200" y="4600799"/>
             <a:ext cx="152400" cy="199803"/>
           </a:xfrm>
           <a:prstGeom prst="rect">
@@ -4544,9 +4461,9 @@
           <p:nvPr/>
         </p:nvCxnSpPr>
         <p:spPr>
-          <a:xfrm>
-            <a:off x="6850663" y="4524597"/>
-            <a:ext cx="1836137" cy="0"/>
+          <a:xfrm flipV="1">
+            <a:off x="6850665" y="4572000"/>
+            <a:ext cx="3512535" cy="28798"/>
           </a:xfrm>
           <a:prstGeom prst="straightConnector1">
             <a:avLst/>
@@ -4581,8 +4498,8 @@
         </p:nvCxnSpPr>
         <p:spPr>
           <a:xfrm flipV="1">
-            <a:off x="6848774" y="4714650"/>
-            <a:ext cx="1838026" cy="9750"/>
+            <a:off x="6848774" y="4800600"/>
+            <a:ext cx="3514426" cy="6"/>
           </a:xfrm>
           <a:prstGeom prst="straightConnector1">
             <a:avLst/>
@@ -4622,7 +4539,7 @@
         </p:nvCxnSpPr>
         <p:spPr>
           <a:xfrm>
-            <a:off x="1653251" y="5486400"/>
+            <a:off x="1676400" y="5638800"/>
             <a:ext cx="5052349" cy="0"/>
           </a:xfrm>
           <a:prstGeom prst="straightConnector1">
@@ -4660,7 +4577,7 @@
         </p:nvSpPr>
         <p:spPr>
           <a:xfrm>
-            <a:off x="6984957" y="4267200"/>
+            <a:off x="7693754" y="4343400"/>
             <a:ext cx="1424846" cy="215444"/>
           </a:xfrm>
           <a:prstGeom prst="rect">
@@ -4717,7 +4634,7 @@
         </p:nvSpPr>
         <p:spPr>
           <a:xfrm>
-            <a:off x="3847551" y="3657600"/>
+            <a:off x="3847554" y="2362197"/>
             <a:ext cx="767033" cy="184666"/>
           </a:xfrm>
           <a:prstGeom prst="rect">
@@ -4762,7 +4679,7 @@
         </p:nvSpPr>
         <p:spPr>
           <a:xfrm>
-            <a:off x="1742982" y="2850922"/>
+            <a:off x="1742982" y="1555520"/>
             <a:ext cx="1424846" cy="215444"/>
           </a:xfrm>
           <a:prstGeom prst="rect">
@@ -4803,7 +4720,7 @@
         </p:nvSpPr>
         <p:spPr>
           <a:xfrm>
-            <a:off x="4340137" y="5255323"/>
+            <a:off x="4191000" y="5334000"/>
             <a:ext cx="621216" cy="215444"/>
           </a:xfrm>
           <a:prstGeom prst="rect">
@@ -4844,7 +4761,7 @@
         </p:nvSpPr>
         <p:spPr>
           <a:xfrm>
-            <a:off x="599983" y="5538488"/>
+            <a:off x="599983" y="5767088"/>
             <a:ext cx="762000" cy="215444"/>
           </a:xfrm>
           <a:prstGeom prst="rect">
@@ -4885,8 +4802,8 @@
         </p:nvSpPr>
         <p:spPr>
           <a:xfrm>
-            <a:off x="7020246" y="4777286"/>
-            <a:ext cx="1590354" cy="461538"/>
+            <a:off x="7020246" y="4853487"/>
+            <a:ext cx="1590354" cy="461539"/>
           </a:xfrm>
           <a:prstGeom prst="rect">
             <a:avLst/>
@@ -4952,7 +4869,7 @@
         </p:nvSpPr>
         <p:spPr>
           <a:xfrm>
-            <a:off x="7777323" y="5238824"/>
+            <a:off x="7777323" y="5315024"/>
             <a:ext cx="152400" cy="171376"/>
           </a:xfrm>
           <a:prstGeom prst="rect">
@@ -4999,7 +4916,7 @@
         </p:nvCxnSpPr>
         <p:spPr>
           <a:xfrm>
-            <a:off x="6858000" y="5410200"/>
+            <a:off x="6858000" y="5486400"/>
             <a:ext cx="966624" cy="0"/>
           </a:xfrm>
           <a:prstGeom prst="straightConnector1">
@@ -5037,7 +4954,7 @@
         </p:nvSpPr>
         <p:spPr>
           <a:xfrm>
-            <a:off x="2673845" y="4027787"/>
+            <a:off x="2673848" y="2732384"/>
             <a:ext cx="220343" cy="215444"/>
           </a:xfrm>
           <a:prstGeom prst="rect">
@@ -5070,16 +4987,327 @@
           </a:p>
         </p:txBody>
       </p:sp>
-      <p:sp>
-        <p:nvSpPr>
-          <p:cNvPr id="40" name="Rectangle 62"/>
+      <p:cxnSp>
+        <p:nvCxnSpPr>
+          <p:cNvPr id="8" name="Straight Arrow Connector 7"/>
+          <p:cNvCxnSpPr/>
+          <p:nvPr/>
+        </p:nvCxnSpPr>
+        <p:spPr>
+          <a:xfrm>
+            <a:off x="3462591" y="2362199"/>
+            <a:ext cx="1597356" cy="1"/>
+          </a:xfrm>
+          <a:prstGeom prst="straightConnector1">
+            <a:avLst/>
+          </a:prstGeom>
+          <a:ln w="19050">
+            <a:headEnd type="none" w="med" len="med"/>
+            <a:tailEnd type="arrow" w="med" len="med"/>
+          </a:ln>
+        </p:spPr>
+        <p:style>
+          <a:lnRef idx="1">
+            <a:schemeClr val="accent1"/>
+          </a:lnRef>
+          <a:fillRef idx="0">
+            <a:schemeClr val="accent1"/>
+          </a:fillRef>
+          <a:effectRef idx="0">
+            <a:schemeClr val="accent1"/>
+          </a:effectRef>
+          <a:fontRef idx="minor">
+            <a:schemeClr val="tx1"/>
+          </a:fontRef>
+        </p:style>
+      </p:cxnSp>
+      <p:sp>
+        <p:nvSpPr>
+          <p:cNvPr id="45" name="Rectangle 44"/>
           <p:cNvSpPr/>
           <p:nvPr/>
         </p:nvSpPr>
         <p:spPr>
           <a:xfrm>
-            <a:off x="4231981" y="2929839"/>
-            <a:ext cx="1778201" cy="432035"/>
+            <a:off x="5059951" y="1981200"/>
+            <a:ext cx="197849" cy="228601"/>
+          </a:xfrm>
+          <a:prstGeom prst="rect">
+            <a:avLst/>
+          </a:prstGeom>
+          <a:solidFill>
+            <a:srgbClr val="0070C0"/>
+          </a:solidFill>
+          <a:ln>
+            <a:solidFill>
+              <a:srgbClr val="0070C0"/>
+            </a:solidFill>
+          </a:ln>
+          <a:effectLst/>
+        </p:spPr>
+        <p:style>
+          <a:lnRef idx="1">
+            <a:schemeClr val="accent3"/>
+          </a:lnRef>
+          <a:fillRef idx="2">
+            <a:schemeClr val="accent3"/>
+          </a:fillRef>
+          <a:effectRef idx="1">
+            <a:schemeClr val="accent3"/>
+          </a:effectRef>
+          <a:fontRef idx="minor">
+            <a:schemeClr val="dk1"/>
+          </a:fontRef>
+        </p:style>
+        <p:txBody>
+          <a:bodyPr rtlCol="0" anchor="ctr"/>
+          <a:lstStyle/>
+          <a:p>
+            <a:pPr algn="ctr"/>
+            <a:endParaRPr lang="en-SG" sz="1400"/>
+          </a:p>
+        </p:txBody>
+      </p:sp>
+      <p:cxnSp>
+        <p:nvCxnSpPr>
+          <p:cNvPr id="46" name="Straight Connector 45"/>
+          <p:cNvCxnSpPr/>
+          <p:nvPr/>
+        </p:nvCxnSpPr>
+        <p:spPr>
+          <a:xfrm flipH="1">
+            <a:off x="5162869" y="1752600"/>
+            <a:ext cx="18731" cy="1295397"/>
+          </a:xfrm>
+          <a:prstGeom prst="line">
+            <a:avLst/>
+          </a:prstGeom>
+          <a:ln w="19050">
+            <a:solidFill>
+              <a:srgbClr val="0070C0"/>
+            </a:solidFill>
+            <a:prstDash val="sysDash"/>
+          </a:ln>
+          <a:effectLst/>
+        </p:spPr>
+        <p:style>
+          <a:lnRef idx="1">
+            <a:schemeClr val="accent1"/>
+          </a:lnRef>
+          <a:fillRef idx="2">
+            <a:schemeClr val="accent1"/>
+          </a:fillRef>
+          <a:effectRef idx="1">
+            <a:schemeClr val="accent1"/>
+          </a:effectRef>
+          <a:fontRef idx="minor">
+            <a:schemeClr val="dk1"/>
+          </a:fontRef>
+        </p:style>
+      </p:cxnSp>
+      <p:sp>
+        <p:nvSpPr>
+          <p:cNvPr id="49" name="Rectangle 48"/>
+          <p:cNvSpPr/>
+          <p:nvPr/>
+        </p:nvSpPr>
+        <p:spPr>
+          <a:xfrm>
+            <a:off x="5059950" y="2362198"/>
+            <a:ext cx="205843" cy="533400"/>
+          </a:xfrm>
+          <a:prstGeom prst="rect">
+            <a:avLst/>
+          </a:prstGeom>
+          <a:solidFill>
+            <a:srgbClr val="0070C0"/>
+          </a:solidFill>
+          <a:ln>
+            <a:solidFill>
+              <a:srgbClr val="0070C0"/>
+            </a:solidFill>
+          </a:ln>
+          <a:effectLst/>
+        </p:spPr>
+        <p:style>
+          <a:lnRef idx="1">
+            <a:schemeClr val="accent3"/>
+          </a:lnRef>
+          <a:fillRef idx="2">
+            <a:schemeClr val="accent3"/>
+          </a:fillRef>
+          <a:effectRef idx="1">
+            <a:schemeClr val="accent3"/>
+          </a:effectRef>
+          <a:fontRef idx="minor">
+            <a:schemeClr val="dk1"/>
+          </a:fontRef>
+        </p:style>
+        <p:txBody>
+          <a:bodyPr rtlCol="0" anchor="ctr"/>
+          <a:lstStyle/>
+          <a:p>
+            <a:pPr algn="ctr"/>
+            <a:endParaRPr lang="en-SG" sz="1400"/>
+          </a:p>
+        </p:txBody>
+      </p:sp>
+      <p:cxnSp>
+        <p:nvCxnSpPr>
+          <p:cNvPr id="51" name="Straight Arrow Connector 50"/>
+          <p:cNvCxnSpPr/>
+          <p:nvPr/>
+        </p:nvCxnSpPr>
+        <p:spPr>
+          <a:xfrm>
+            <a:off x="3499385" y="2889670"/>
+            <a:ext cx="1667219" cy="0"/>
+          </a:xfrm>
+          <a:prstGeom prst="straightConnector1">
+            <a:avLst/>
+          </a:prstGeom>
+          <a:ln w="19050">
+            <a:solidFill>
+              <a:srgbClr val="0070C0"/>
+            </a:solidFill>
+            <a:prstDash val="sysDash"/>
+            <a:headEnd type="arrow" w="med" len="med"/>
+            <a:tailEnd type="none" w="med" len="med"/>
+          </a:ln>
+        </p:spPr>
+        <p:style>
+          <a:lnRef idx="1">
+            <a:schemeClr val="accent1"/>
+          </a:lnRef>
+          <a:fillRef idx="0">
+            <a:schemeClr val="accent1"/>
+          </a:fillRef>
+          <a:effectRef idx="0">
+            <a:schemeClr val="accent1"/>
+          </a:effectRef>
+          <a:fontRef idx="minor">
+            <a:schemeClr val="tx1"/>
+          </a:fontRef>
+        </p:style>
+      </p:cxnSp>
+      <p:cxnSp>
+        <p:nvCxnSpPr>
+          <p:cNvPr id="13" name="Straight Arrow Connector 12"/>
+          <p:cNvCxnSpPr/>
+          <p:nvPr/>
+        </p:nvCxnSpPr>
+        <p:spPr>
+          <a:xfrm>
+            <a:off x="6858000" y="5105400"/>
+            <a:ext cx="162246" cy="0"/>
+          </a:xfrm>
+          <a:prstGeom prst="straightConnector1">
+            <a:avLst/>
+          </a:prstGeom>
+          <a:ln w="19050">
+            <a:headEnd type="none" w="med" len="med"/>
+            <a:tailEnd type="arrow" w="med" len="med"/>
+          </a:ln>
+        </p:spPr>
+        <p:style>
+          <a:lnRef idx="1">
+            <a:schemeClr val="accent1"/>
+          </a:lnRef>
+          <a:fillRef idx="0">
+            <a:schemeClr val="accent1"/>
+          </a:fillRef>
+          <a:effectRef idx="0">
+            <a:schemeClr val="accent1"/>
+          </a:effectRef>
+          <a:fontRef idx="minor">
+            <a:schemeClr val="tx1"/>
+          </a:fontRef>
+        </p:style>
+      </p:cxnSp>
+      <p:cxnSp>
+        <p:nvCxnSpPr>
+          <p:cNvPr id="50" name="Straight Arrow Connector 49"/>
+          <p:cNvCxnSpPr/>
+          <p:nvPr/>
+        </p:nvCxnSpPr>
+        <p:spPr>
+          <a:xfrm>
+            <a:off x="3429000" y="1905000"/>
+            <a:ext cx="838200" cy="0"/>
+          </a:xfrm>
+          <a:prstGeom prst="straightConnector1">
+            <a:avLst/>
+          </a:prstGeom>
+          <a:ln w="19050">
+            <a:solidFill>
+              <a:srgbClr val="0070C0"/>
+            </a:solidFill>
+            <a:tailEnd type="arrow"/>
+          </a:ln>
+        </p:spPr>
+        <p:style>
+          <a:lnRef idx="1">
+            <a:schemeClr val="accent1"/>
+          </a:lnRef>
+          <a:fillRef idx="0">
+            <a:schemeClr val="accent1"/>
+          </a:fillRef>
+          <a:effectRef idx="0">
+            <a:schemeClr val="accent1"/>
+          </a:effectRef>
+          <a:fontRef idx="minor">
+            <a:schemeClr val="tx1"/>
+          </a:fontRef>
+        </p:style>
+      </p:cxnSp>
+      <p:cxnSp>
+        <p:nvCxnSpPr>
+          <p:cNvPr id="52" name="Straight Arrow Connector 51"/>
+          <p:cNvCxnSpPr/>
+          <p:nvPr/>
+        </p:nvCxnSpPr>
+        <p:spPr>
+          <a:xfrm>
+            <a:off x="3459519" y="2180562"/>
+            <a:ext cx="1600428" cy="0"/>
+          </a:xfrm>
+          <a:prstGeom prst="straightConnector1">
+            <a:avLst/>
+          </a:prstGeom>
+          <a:ln w="19050">
+            <a:solidFill>
+              <a:srgbClr val="0070C0"/>
+            </a:solidFill>
+            <a:prstDash val="sysDash"/>
+            <a:headEnd type="arrow" w="med" len="med"/>
+            <a:tailEnd type="none" w="med" len="med"/>
+          </a:ln>
+        </p:spPr>
+        <p:style>
+          <a:lnRef idx="1">
+            <a:schemeClr val="accent1"/>
+          </a:lnRef>
+          <a:fillRef idx="0">
+            <a:schemeClr val="accent1"/>
+          </a:fillRef>
+          <a:effectRef idx="0">
+            <a:schemeClr val="accent1"/>
+          </a:effectRef>
+          <a:fontRef idx="minor">
+            <a:schemeClr val="tx1"/>
+          </a:fontRef>
+        </p:style>
+      </p:cxnSp>
+      <p:sp>
+        <p:nvSpPr>
+          <p:cNvPr id="85" name="Rectangle 62"/>
+          <p:cNvSpPr/>
+          <p:nvPr/>
+        </p:nvSpPr>
+        <p:spPr>
+          <a:xfrm>
+            <a:off x="7620000" y="2971800"/>
+            <a:ext cx="1093635" cy="461539"/>
           </a:xfrm>
           <a:prstGeom prst="rect">
             <a:avLst/>
@@ -5114,27 +5342,86 @@
           <a:p>
             <a:pPr algn="ctr"/>
             <a:r>
+              <a:rPr lang="en-US" sz="1600" dirty="0" err="1">
+                <a:solidFill>
+                  <a:schemeClr val="bg1"/>
+                </a:solidFill>
+              </a:rPr>
+              <a:t>t</a:t>
+            </a:r>
+            <a:r>
+              <a:rPr lang="en-US" sz="1600" dirty="0" err="1" smtClean="0">
+                <a:solidFill>
+                  <a:schemeClr val="bg1"/>
+                </a:solidFill>
+              </a:rPr>
+              <a:t>:Task</a:t>
+            </a:r>
+            <a:endParaRPr lang="en-US" sz="1600" dirty="0" smtClean="0">
+              <a:solidFill>
+                <a:schemeClr val="bg1"/>
+              </a:solidFill>
+            </a:endParaRPr>
+          </a:p>
+          <a:p>
+            <a:pPr algn="ctr"/>
+            <a:r>
               <a:rPr lang="en-US" sz="1600" dirty="0" smtClean="0">
                 <a:solidFill>
                   <a:schemeClr val="bg1"/>
                 </a:solidFill>
               </a:rPr>
-              <a:t>:</a:t>
-            </a:r>
-            <a:r>
-              <a:rPr lang="en-US" sz="1600" dirty="0" err="1" smtClean="0">
-                <a:solidFill>
-                  <a:schemeClr val="bg1"/>
-                </a:solidFill>
-              </a:rPr>
-              <a:t>DeleteCommand</a:t>
-            </a:r>
-            <a:endParaRPr lang="en-US" sz="1600" dirty="0" smtClean="0">
+              <a:t>Memento</a:t>
+            </a:r>
+            <a:endParaRPr lang="en-SG" sz="1600" dirty="0">
               <a:solidFill>
                 <a:schemeClr val="bg1"/>
               </a:solidFill>
             </a:endParaRPr>
           </a:p>
+        </p:txBody>
+      </p:sp>
+      <p:sp>
+        <p:nvSpPr>
+          <p:cNvPr id="87" name="Rectangle 62"/>
+          <p:cNvSpPr/>
+          <p:nvPr/>
+        </p:nvSpPr>
+        <p:spPr>
+          <a:xfrm>
+            <a:off x="9179026" y="1981200"/>
+            <a:ext cx="1093635" cy="461539"/>
+          </a:xfrm>
+          <a:prstGeom prst="rect">
+            <a:avLst/>
+          </a:prstGeom>
+          <a:solidFill>
+            <a:srgbClr val="0070C0"/>
+          </a:solidFill>
+          <a:ln w="19050">
+            <a:solidFill>
+              <a:srgbClr val="0070C0"/>
+            </a:solidFill>
+          </a:ln>
+          <a:effectLst/>
+        </p:spPr>
+        <p:style>
+          <a:lnRef idx="1">
+            <a:schemeClr val="accent2"/>
+          </a:lnRef>
+          <a:fillRef idx="2">
+            <a:schemeClr val="accent2"/>
+          </a:fillRef>
+          <a:effectRef idx="1">
+            <a:schemeClr val="accent2"/>
+          </a:effectRef>
+          <a:fontRef idx="minor">
+            <a:schemeClr val="dk1"/>
+          </a:fontRef>
+        </p:style>
+        <p:txBody>
+          <a:bodyPr rtlCol="0" anchor="ctr"/>
+          <a:lstStyle/>
           <a:p>
             <a:pPr algn="ctr"/>
             <a:r>
@@ -5143,7 +5430,18 @@
                   <a:schemeClr val="bg1"/>
                 </a:solidFill>
               </a:rPr>
-              <a:t>Parser</a:t>
+              <a:t>:Task</a:t>
+            </a:r>
+          </a:p>
+          <a:p>
+            <a:pPr algn="ctr"/>
+            <a:r>
+              <a:rPr lang="en-US" sz="1600" dirty="0" smtClean="0">
+                <a:solidFill>
+                  <a:schemeClr val="bg1"/>
+                </a:solidFill>
+              </a:rPr>
+              <a:t>Mementos</a:t>
             </a:r>
             <a:endParaRPr lang="en-SG" sz="1600" dirty="0">
               <a:solidFill>
@@ -5155,21 +5453,60 @@
       </p:sp>
       <p:cxnSp>
         <p:nvCxnSpPr>
-          <p:cNvPr id="8" name="Straight Arrow Connector 7"/>
+          <p:cNvPr id="89" name="Straight Connector 88"/>
           <p:cNvCxnSpPr/>
           <p:nvPr/>
         </p:nvCxnSpPr>
         <p:spPr>
           <a:xfrm>
-            <a:off x="3462591" y="3657600"/>
-            <a:ext cx="1597356" cy="1"/>
+            <a:off x="9753600" y="2438400"/>
+            <a:ext cx="0" cy="1828800"/>
+          </a:xfrm>
+          <a:prstGeom prst="line">
+            <a:avLst/>
+          </a:prstGeom>
+          <a:ln w="19050">
+            <a:solidFill>
+              <a:srgbClr val="0070C0"/>
+            </a:solidFill>
+            <a:prstDash val="sysDash"/>
+          </a:ln>
+          <a:effectLst/>
+        </p:spPr>
+        <p:style>
+          <a:lnRef idx="1">
+            <a:schemeClr val="accent1"/>
+          </a:lnRef>
+          <a:fillRef idx="2">
+            <a:schemeClr val="accent1"/>
+          </a:fillRef>
+          <a:effectRef idx="1">
+            <a:schemeClr val="accent1"/>
+          </a:effectRef>
+          <a:fontRef idx="minor">
+            <a:schemeClr val="dk1"/>
+          </a:fontRef>
+        </p:style>
+      </p:cxnSp>
+      <p:cxnSp>
+        <p:nvCxnSpPr>
+          <p:cNvPr id="92" name="Straight Arrow Connector 91"/>
+          <p:cNvCxnSpPr/>
+          <p:nvPr/>
+        </p:nvCxnSpPr>
+        <p:spPr>
+          <a:xfrm flipV="1">
+            <a:off x="6858000" y="3352800"/>
+            <a:ext cx="762000" cy="2"/>
           </a:xfrm>
           <a:prstGeom prst="straightConnector1">
             <a:avLst/>
           </a:prstGeom>
           <a:ln w="19050">
-            <a:headEnd type="none" w="med" len="med"/>
-            <a:tailEnd type="arrow" w="med" len="med"/>
+            <a:solidFill>
+              <a:srgbClr val="0070C0"/>
+            </a:solidFill>
+            <a:tailEnd type="arrow"/>
           </a:ln>
         </p:spPr>
         <p:style>
@@ -5187,16 +5524,54 @@
           </a:fontRef>
         </p:style>
       </p:cxnSp>
-      <p:sp>
-        <p:nvSpPr>
-          <p:cNvPr id="45" name="Rectangle 44"/>
+      <p:cxnSp>
+        <p:nvCxnSpPr>
+          <p:cNvPr id="94" name="Straight Arrow Connector 93"/>
+          <p:cNvCxnSpPr/>
+          <p:nvPr/>
+        </p:nvCxnSpPr>
+        <p:spPr>
+          <a:xfrm>
+            <a:off x="6858000" y="3581400"/>
+            <a:ext cx="1219200" cy="0"/>
+          </a:xfrm>
+          <a:prstGeom prst="straightConnector1">
+            <a:avLst/>
+          </a:prstGeom>
+          <a:ln w="19050">
+            <a:solidFill>
+              <a:srgbClr val="0070C0"/>
+            </a:solidFill>
+            <a:prstDash val="sysDash"/>
+            <a:headEnd type="arrow" w="med" len="med"/>
+            <a:tailEnd type="none" w="med" len="med"/>
+          </a:ln>
+        </p:spPr>
+        <p:style>
+          <a:lnRef idx="1">
+            <a:schemeClr val="accent1"/>
+          </a:lnRef>
+          <a:fillRef idx="0">
+            <a:schemeClr val="accent1"/>
+          </a:fillRef>
+          <a:effectRef idx="0">
+            <a:schemeClr val="accent1"/>
+          </a:effectRef>
+          <a:fontRef idx="minor">
+            <a:schemeClr val="tx1"/>
+          </a:fontRef>
+        </p:style>
+      </p:cxnSp>
+      <p:sp>
+        <p:nvSpPr>
+          <p:cNvPr id="96" name="Rectangle 95"/>
           <p:cNvSpPr/>
           <p:nvPr/>
         </p:nvSpPr>
         <p:spPr>
           <a:xfrm>
-            <a:off x="5059947" y="3352800"/>
-            <a:ext cx="205843" cy="123165"/>
+            <a:off x="8077200" y="3429000"/>
+            <a:ext cx="152400" cy="152400"/>
           </a:xfrm>
           <a:prstGeom prst="rect">
             <a:avLst/>
@@ -5234,20 +5609,100 @@
           </a:p>
         </p:txBody>
       </p:sp>
+      <p:sp>
+        <p:nvSpPr>
+          <p:cNvPr id="100" name="TextBox 99"/>
+          <p:cNvSpPr txBox="1"/>
+          <p:nvPr/>
+        </p:nvSpPr>
+        <p:spPr>
+          <a:xfrm>
+            <a:off x="6934200" y="3657600"/>
+            <a:ext cx="2895600" cy="215444"/>
+          </a:xfrm>
+          <a:prstGeom prst="rect">
+            <a:avLst/>
+          </a:prstGeom>
+          <a:noFill/>
+        </p:spPr>
+        <p:txBody>
+          <a:bodyPr wrap="square" lIns="0" tIns="0" rIns="0" bIns="0" rtlCol="0">
+            <a:spAutoFit/>
+          </a:bodyPr>
+          <a:lstStyle>
+            <a:defPPr>
+              <a:defRPr lang="en-US"/>
+            </a:defPPr>
+            <a:lvl1pPr algn="r">
+              <a:defRPr sz="1400">
+                <a:solidFill>
+                  <a:srgbClr val="0070C0"/>
+                </a:solidFill>
+              </a:defRPr>
+            </a:lvl1pPr>
+          </a:lstStyle>
+          <a:p>
+            <a:pPr algn="l"/>
+            <a:r>
+              <a:rPr lang="en-US" dirty="0" err="1"/>
+              <a:t>addUndoMementoAndClearRedo</a:t>
+            </a:r>
+            <a:r>
+              <a:rPr lang="en-US" dirty="0" smtClean="0"/>
+              <a:t>(t)</a:t>
+            </a:r>
+            <a:endParaRPr lang="en-US" dirty="0"/>
+          </a:p>
+        </p:txBody>
+      </p:sp>
       <p:cxnSp>
         <p:nvCxnSpPr>
-          <p:cNvPr id="46" name="Straight Connector 45"/>
-          <p:cNvCxnSpPr>
-            <a:stCxn id="45" idx="0"/>
-          </p:cNvCxnSpPr>
+          <p:cNvPr id="101" name="Straight Arrow Connector 100"/>
+          <p:cNvCxnSpPr/>
           <p:nvPr/>
         </p:nvCxnSpPr>
         <p:spPr>
-          <a:xfrm>
-            <a:off x="5162869" y="3352800"/>
-            <a:ext cx="0" cy="990600"/>
-          </a:xfrm>
-          <a:prstGeom prst="line">
+          <a:xfrm flipV="1">
+            <a:off x="6858000" y="3962400"/>
+            <a:ext cx="2819400" cy="2"/>
+          </a:xfrm>
+          <a:prstGeom prst="straightConnector1">
+            <a:avLst/>
+          </a:prstGeom>
+          <a:ln w="19050">
+            <a:solidFill>
+              <a:srgbClr val="0070C0"/>
+            </a:solidFill>
+            <a:tailEnd type="arrow"/>
+          </a:ln>
+        </p:spPr>
+        <p:style>
+          <a:lnRef idx="1">
+            <a:schemeClr val="accent1"/>
+          </a:lnRef>
+          <a:fillRef idx="0">
+            <a:schemeClr val="accent1"/>
+          </a:fillRef>
+          <a:effectRef idx="0">
+            <a:schemeClr val="accent1"/>
+          </a:effectRef>
+          <a:fontRef idx="minor">
+            <a:schemeClr val="tx1"/>
+          </a:fontRef>
+        </p:style>
+      </p:cxnSp>
+      <p:cxnSp>
+        <p:nvCxnSpPr>
+          <p:cNvPr id="104" name="Straight Arrow Connector 103"/>
+          <p:cNvCxnSpPr/>
+          <p:nvPr/>
+        </p:nvCxnSpPr>
+        <p:spPr>
+          <a:xfrm>
+            <a:off x="6858000" y="4191000"/>
+            <a:ext cx="2819400" cy="0"/>
+          </a:xfrm>
+          <a:prstGeom prst="straightConnector1">
             <a:avLst/>
           </a:prstGeom>
           <a:ln w="19050">
@@ -5255,34 +5710,35 @@
               <a:srgbClr val="0070C0"/>
             </a:solidFill>
             <a:prstDash val="sysDash"/>
+            <a:headEnd type="arrow" w="med" len="med"/>
+            <a:tailEnd type="none" w="med" len="med"/>
           </a:ln>
-          <a:effectLst/>
         </p:spPr>
         <p:style>
           <a:lnRef idx="1">
             <a:schemeClr val="accent1"/>
           </a:lnRef>
-          <a:fillRef idx="2">
+          <a:fillRef idx="0">
             <a:schemeClr val="accent1"/>
           </a:fillRef>
-          <a:effectRef idx="1">
+          <a:effectRef idx="0">
             <a:schemeClr val="accent1"/>
           </a:effectRef>
           <a:fontRef idx="minor">
-            <a:schemeClr val="dk1"/>
+            <a:schemeClr val="tx1"/>
           </a:fontRef>
         </p:style>
       </p:cxnSp>
       <p:sp>
         <p:nvSpPr>
-          <p:cNvPr id="49" name="Rectangle 48"/>
+          <p:cNvPr id="107" name="Rectangle 106"/>
           <p:cNvSpPr/>
           <p:nvPr/>
         </p:nvSpPr>
         <p:spPr>
           <a:xfrm>
-            <a:off x="5059947" y="3657601"/>
-            <a:ext cx="205843" cy="533400"/>
+            <a:off x="9677400" y="3962400"/>
+            <a:ext cx="152400" cy="228600"/>
           </a:xfrm>
           <a:prstGeom prst="rect">
             <a:avLst/>
@@ -5320,185 +5776,166 @@
           </a:p>
         </p:txBody>
       </p:sp>
-      <p:cxnSp>
-        <p:nvCxnSpPr>
-          <p:cNvPr id="51" name="Straight Arrow Connector 50"/>
-          <p:cNvCxnSpPr/>
+      <p:sp>
+        <p:nvSpPr>
+          <p:cNvPr id="40" name="Rectangle 62"/>
+          <p:cNvSpPr/>
           <p:nvPr/>
-        </p:nvCxnSpPr>
-        <p:spPr>
-          <a:xfrm>
-            <a:off x="3499382" y="4185073"/>
-            <a:ext cx="1667219" cy="0"/>
-          </a:xfrm>
-          <a:prstGeom prst="straightConnector1">
+        </p:nvSpPr>
+        <p:spPr>
+          <a:xfrm>
+            <a:off x="4267200" y="1600200"/>
+            <a:ext cx="1778201" cy="432035"/>
+          </a:xfrm>
+          <a:prstGeom prst="rect">
             <a:avLst/>
           </a:prstGeom>
+          <a:solidFill>
+            <a:srgbClr val="0070C0"/>
+          </a:solidFill>
           <a:ln w="19050">
             <a:solidFill>
               <a:srgbClr val="0070C0"/>
             </a:solidFill>
-            <a:prstDash val="sysDash"/>
-            <a:headEnd type="arrow" w="med" len="med"/>
-            <a:tailEnd type="none" w="med" len="med"/>
           </a:ln>
+          <a:effectLst/>
         </p:spPr>
         <p:style>
           <a:lnRef idx="1">
-            <a:schemeClr val="accent1"/>
+            <a:schemeClr val="accent2"/>
           </a:lnRef>
-          <a:fillRef idx="0">
-            <a:schemeClr val="accent1"/>
+          <a:fillRef idx="2">
+            <a:schemeClr val="accent2"/>
           </a:fillRef>
-          <a:effectRef idx="0">
-            <a:schemeClr val="accent1"/>
+          <a:effectRef idx="1">
+            <a:schemeClr val="accent2"/>
           </a:effectRef>
           <a:fontRef idx="minor">
-            <a:schemeClr val="tx1"/>
+            <a:schemeClr val="dk1"/>
           </a:fontRef>
         </p:style>
-      </p:cxnSp>
-      <p:cxnSp>
-        <p:nvCxnSpPr>
-          <p:cNvPr id="13" name="Straight Arrow Connector 12"/>
-          <p:cNvCxnSpPr/>
+        <p:txBody>
+          <a:bodyPr rtlCol="0" anchor="ctr"/>
+          <a:lstStyle/>
+          <a:p>
+            <a:pPr algn="ctr"/>
+            <a:r>
+              <a:rPr lang="en-US" sz="1600" dirty="0" smtClean="0">
+                <a:solidFill>
+                  <a:schemeClr val="bg1"/>
+                </a:solidFill>
+              </a:rPr>
+              <a:t>:</a:t>
+            </a:r>
+            <a:r>
+              <a:rPr lang="en-US" sz="1600" dirty="0" err="1" smtClean="0">
+                <a:solidFill>
+                  <a:schemeClr val="bg1"/>
+                </a:solidFill>
+              </a:rPr>
+              <a:t>DeleteCommand</a:t>
+            </a:r>
+            <a:endParaRPr lang="en-US" sz="1600" dirty="0" smtClean="0">
+              <a:solidFill>
+                <a:schemeClr val="bg1"/>
+              </a:solidFill>
+            </a:endParaRPr>
+          </a:p>
+          <a:p>
+            <a:pPr algn="ctr"/>
+            <a:r>
+              <a:rPr lang="en-US" sz="1600" dirty="0" smtClean="0">
+                <a:solidFill>
+                  <a:schemeClr val="bg1"/>
+                </a:solidFill>
+              </a:rPr>
+              <a:t>Parser</a:t>
+            </a:r>
+            <a:endParaRPr lang="en-SG" sz="1600" dirty="0">
+              <a:solidFill>
+                <a:schemeClr val="bg1"/>
+              </a:solidFill>
+            </a:endParaRPr>
+          </a:p>
+        </p:txBody>
+      </p:sp>
+      <p:sp>
+        <p:nvSpPr>
+          <p:cNvPr id="19" name="Rectangle 62"/>
+          <p:cNvSpPr/>
           <p:nvPr/>
-        </p:nvCxnSpPr>
-        <p:spPr>
-          <a:xfrm>
-            <a:off x="6858000" y="5029200"/>
-            <a:ext cx="162246" cy="0"/>
-          </a:xfrm>
-          <a:prstGeom prst="straightConnector1">
+        </p:nvSpPr>
+        <p:spPr>
+          <a:xfrm>
+            <a:off x="6248400" y="2133600"/>
+            <a:ext cx="1093635" cy="461539"/>
+          </a:xfrm>
+          <a:prstGeom prst="rect">
             <a:avLst/>
           </a:prstGeom>
-          <a:ln w="19050">
-            <a:headEnd type="none" w="med" len="med"/>
-            <a:tailEnd type="arrow" w="med" len="med"/>
-          </a:ln>
-        </p:spPr>
-        <p:style>
-          <a:lnRef idx="1">
-            <a:schemeClr val="accent1"/>
-          </a:lnRef>
-          <a:fillRef idx="0">
-            <a:schemeClr val="accent1"/>
-          </a:fillRef>
-          <a:effectRef idx="0">
-            <a:schemeClr val="accent1"/>
-          </a:effectRef>
-          <a:fontRef idx="minor">
-            <a:schemeClr val="tx1"/>
-          </a:fontRef>
-        </p:style>
-      </p:cxnSp>
-      <p:cxnSp>
-        <p:nvCxnSpPr>
-          <p:cNvPr id="50" name="Straight Arrow Connector 49"/>
-          <p:cNvCxnSpPr/>
-          <p:nvPr/>
-        </p:nvCxnSpPr>
-        <p:spPr>
-          <a:xfrm>
-            <a:off x="3412425" y="3173004"/>
-            <a:ext cx="819556" cy="1"/>
-          </a:xfrm>
-          <a:prstGeom prst="straightConnector1">
-            <a:avLst/>
-          </a:prstGeom>
+          <a:solidFill>
+            <a:srgbClr val="0070C0"/>
+          </a:solidFill>
           <a:ln w="19050">
             <a:solidFill>
               <a:srgbClr val="0070C0"/>
             </a:solidFill>
-            <a:tailEnd type="arrow"/>
           </a:ln>
+          <a:effectLst/>
         </p:spPr>
         <p:style>
           <a:lnRef idx="1">
-            <a:schemeClr val="accent1"/>
+            <a:schemeClr val="accent2"/>
           </a:lnRef>
-          <a:fillRef idx="0">
-            <a:schemeClr val="accent1"/>
+          <a:fillRef idx="2">
+            <a:schemeClr val="accent2"/>
           </a:fillRef>
-          <a:effectRef idx="0">
-            <a:schemeClr val="accent1"/>
+          <a:effectRef idx="1">
+            <a:schemeClr val="accent2"/>
           </a:effectRef>
           <a:fontRef idx="minor">
-            <a:schemeClr val="tx1"/>
+            <a:schemeClr val="dk1"/>
           </a:fontRef>
         </p:style>
-      </p:cxnSp>
-      <p:cxnSp>
-        <p:nvCxnSpPr>
-          <p:cNvPr id="52" name="Straight Arrow Connector 51"/>
-          <p:cNvCxnSpPr/>
-          <p:nvPr/>
-        </p:nvCxnSpPr>
-        <p:spPr>
-          <a:xfrm>
-            <a:off x="3459519" y="3475965"/>
-            <a:ext cx="1600428" cy="0"/>
-          </a:xfrm>
-          <a:prstGeom prst="straightConnector1">
-            <a:avLst/>
-          </a:prstGeom>
-          <a:ln w="19050">
-            <a:solidFill>
-              <a:srgbClr val="0070C0"/>
-            </a:solidFill>
-            <a:prstDash val="sysDash"/>
-            <a:headEnd type="arrow" w="med" len="med"/>
-            <a:tailEnd type="none" w="med" len="med"/>
-          </a:ln>
-        </p:spPr>
-        <p:style>
-          <a:lnRef idx="1">
-            <a:schemeClr val="accent1"/>
-          </a:lnRef>
-          <a:fillRef idx="0">
-            <a:schemeClr val="accent1"/>
-          </a:fillRef>
-          <a:effectRef idx="0">
-            <a:schemeClr val="accent1"/>
-          </a:effectRef>
-          <a:fontRef idx="minor">
-            <a:schemeClr val="tx1"/>
-          </a:fontRef>
-        </p:style>
-      </p:cxnSp>
-      <p:sp>
-        <p:nvSpPr>
-          <p:cNvPr id="4" name="TextBox 3"/>
-          <p:cNvSpPr txBox="1"/>
-          <p:nvPr/>
-        </p:nvSpPr>
-        <p:spPr>
-          <a:xfrm>
-            <a:off x="5033665" y="4199590"/>
-            <a:ext cx="258404" cy="261610"/>
-          </a:xfrm>
-          <a:prstGeom prst="rect">
-            <a:avLst/>
-          </a:prstGeom>
-          <a:noFill/>
-        </p:spPr>
-        <p:txBody>
-          <a:bodyPr wrap="none" rtlCol="0">
-            <a:spAutoFit/>
-          </a:bodyPr>
+        <p:txBody>
+          <a:bodyPr rtlCol="0" anchor="ctr"/>
           <a:lstStyle/>
           <a:p>
-            <a:r>
-              <a:rPr lang="en-SG" sz="1100" dirty="0" smtClean="0">
+            <a:pPr algn="ctr"/>
+            <a:r>
+              <a:rPr lang="en-US" sz="1600" dirty="0" smtClean="0">
                 <a:solidFill>
-                  <a:srgbClr val="002060"/>
+                  <a:schemeClr val="bg1"/>
                 </a:solidFill>
               </a:rPr>
-              <a:t>X</a:t>
-            </a:r>
-            <a:endParaRPr lang="en-SG" sz="1100" dirty="0">
+              <a:t>d:Delete</a:t>
+            </a:r>
+            <a:r>
+              <a:rPr lang="en-US" sz="1600" dirty="0">
+                <a:solidFill>
+                  <a:schemeClr val="bg1"/>
+                </a:solidFill>
+              </a:rPr>
+              <a:t/>
+            </a:r>
+            <a:br>
+              <a:rPr lang="en-US" sz="1600" dirty="0">
+                <a:solidFill>
+                  <a:schemeClr val="bg1"/>
+                </a:solidFill>
+              </a:rPr>
+            </a:br>
+            <a:r>
+              <a:rPr lang="en-US" sz="1600" dirty="0">
+                <a:solidFill>
+                  <a:schemeClr val="bg1"/>
+                </a:solidFill>
+              </a:rPr>
+              <a:t>Command</a:t>
+            </a:r>
+            <a:endParaRPr lang="en-SG" sz="1600" dirty="0">
               <a:solidFill>
-                <a:srgbClr val="002060"/>
+                <a:schemeClr val="bg1"/>
               </a:solidFill>
             </a:endParaRPr>
           </a:p>
